--- a/分享备案.pptx
+++ b/分享备案.pptx
@@ -5,7 +5,7 @@
     <p:sldMasterId id="2147483648" r:id="rId1"/>
   </p:sldMasterIdLst>
   <p:notesMasterIdLst>
-    <p:notesMasterId r:id="rId14"/>
+    <p:notesMasterId r:id="rId15"/>
   </p:notesMasterIdLst>
   <p:sldIdLst>
     <p:sldId id="256" r:id="rId2"/>
@@ -20,6 +20,7 @@
     <p:sldId id="265" r:id="rId11"/>
     <p:sldId id="266" r:id="rId12"/>
     <p:sldId id="267" r:id="rId13"/>
+    <p:sldId id="268" r:id="rId14"/>
   </p:sldIdLst>
   <p:sldSz cx="12192000" cy="6858000"/>
   <p:notesSz cx="6858000" cy="9144000"/>
@@ -208,7 +209,7 @@
           <a:p>
             <a:fld id="{095F9844-CED5-C442-96A8-8E8FD8D7D8CE}" type="datetimeFigureOut">
               <a:rPr kumimoji="1" lang="zh-CN" altLang="en-US" smtClean="0"/>
-              <a:t>2017/4/27</a:t>
+              <a:t>2017/5/2</a:t>
             </a:fld>
             <a:endParaRPr kumimoji="1" lang="zh-CN" altLang="en-US"/>
           </a:p>
@@ -607,7 +608,7 @@
           <a:p>
             <a:fld id="{15A2DB48-532F-2547-92C4-32B9480C8FF8}" type="datetimeFigureOut">
               <a:rPr kumimoji="1" lang="zh-CN" altLang="en-US" smtClean="0"/>
-              <a:t>2017/4/27</a:t>
+              <a:t>2017/5/2</a:t>
             </a:fld>
             <a:endParaRPr kumimoji="1" lang="zh-CN" altLang="en-US"/>
           </a:p>
@@ -777,7 +778,7 @@
           <a:p>
             <a:fld id="{15A2DB48-532F-2547-92C4-32B9480C8FF8}" type="datetimeFigureOut">
               <a:rPr kumimoji="1" lang="zh-CN" altLang="en-US" smtClean="0"/>
-              <a:t>2017/4/27</a:t>
+              <a:t>2017/5/2</a:t>
             </a:fld>
             <a:endParaRPr kumimoji="1" lang="zh-CN" altLang="en-US"/>
           </a:p>
@@ -957,7 +958,7 @@
           <a:p>
             <a:fld id="{15A2DB48-532F-2547-92C4-32B9480C8FF8}" type="datetimeFigureOut">
               <a:rPr kumimoji="1" lang="zh-CN" altLang="en-US" smtClean="0"/>
-              <a:t>2017/4/27</a:t>
+              <a:t>2017/5/2</a:t>
             </a:fld>
             <a:endParaRPr kumimoji="1" lang="zh-CN" altLang="en-US"/>
           </a:p>
@@ -1127,7 +1128,7 @@
           <a:p>
             <a:fld id="{15A2DB48-532F-2547-92C4-32B9480C8FF8}" type="datetimeFigureOut">
               <a:rPr kumimoji="1" lang="zh-CN" altLang="en-US" smtClean="0"/>
-              <a:t>2017/4/27</a:t>
+              <a:t>2017/5/2</a:t>
             </a:fld>
             <a:endParaRPr kumimoji="1" lang="zh-CN" altLang="en-US"/>
           </a:p>
@@ -1373,7 +1374,7 @@
           <a:p>
             <a:fld id="{15A2DB48-532F-2547-92C4-32B9480C8FF8}" type="datetimeFigureOut">
               <a:rPr kumimoji="1" lang="zh-CN" altLang="en-US" smtClean="0"/>
-              <a:t>2017/4/27</a:t>
+              <a:t>2017/5/2</a:t>
             </a:fld>
             <a:endParaRPr kumimoji="1" lang="zh-CN" altLang="en-US"/>
           </a:p>
@@ -1605,7 +1606,7 @@
           <a:p>
             <a:fld id="{15A2DB48-532F-2547-92C4-32B9480C8FF8}" type="datetimeFigureOut">
               <a:rPr kumimoji="1" lang="zh-CN" altLang="en-US" smtClean="0"/>
-              <a:t>2017/4/27</a:t>
+              <a:t>2017/5/2</a:t>
             </a:fld>
             <a:endParaRPr kumimoji="1" lang="zh-CN" altLang="en-US"/>
           </a:p>
@@ -1972,7 +1973,7 @@
           <a:p>
             <a:fld id="{15A2DB48-532F-2547-92C4-32B9480C8FF8}" type="datetimeFigureOut">
               <a:rPr kumimoji="1" lang="zh-CN" altLang="en-US" smtClean="0"/>
-              <a:t>2017/4/27</a:t>
+              <a:t>2017/5/2</a:t>
             </a:fld>
             <a:endParaRPr kumimoji="1" lang="zh-CN" altLang="en-US"/>
           </a:p>
@@ -2090,7 +2091,7 @@
           <a:p>
             <a:fld id="{15A2DB48-532F-2547-92C4-32B9480C8FF8}" type="datetimeFigureOut">
               <a:rPr kumimoji="1" lang="zh-CN" altLang="en-US" smtClean="0"/>
-              <a:t>2017/4/27</a:t>
+              <a:t>2017/5/2</a:t>
             </a:fld>
             <a:endParaRPr kumimoji="1" lang="zh-CN" altLang="en-US"/>
           </a:p>
@@ -2185,7 +2186,7 @@
           <a:p>
             <a:fld id="{15A2DB48-532F-2547-92C4-32B9480C8FF8}" type="datetimeFigureOut">
               <a:rPr kumimoji="1" lang="zh-CN" altLang="en-US" smtClean="0"/>
-              <a:t>2017/4/27</a:t>
+              <a:t>2017/5/2</a:t>
             </a:fld>
             <a:endParaRPr kumimoji="1" lang="zh-CN" altLang="en-US"/>
           </a:p>
@@ -2462,7 +2463,7 @@
           <a:p>
             <a:fld id="{15A2DB48-532F-2547-92C4-32B9480C8FF8}" type="datetimeFigureOut">
               <a:rPr kumimoji="1" lang="zh-CN" altLang="en-US" smtClean="0"/>
-              <a:t>2017/4/27</a:t>
+              <a:t>2017/5/2</a:t>
             </a:fld>
             <a:endParaRPr kumimoji="1" lang="zh-CN" altLang="en-US"/>
           </a:p>
@@ -2715,7 +2716,7 @@
           <a:p>
             <a:fld id="{15A2DB48-532F-2547-92C4-32B9480C8FF8}" type="datetimeFigureOut">
               <a:rPr kumimoji="1" lang="zh-CN" altLang="en-US" smtClean="0"/>
-              <a:t>2017/4/27</a:t>
+              <a:t>2017/5/2</a:t>
             </a:fld>
             <a:endParaRPr kumimoji="1" lang="zh-CN" altLang="en-US"/>
           </a:p>
@@ -2928,7 +2929,7 @@
           <a:p>
             <a:fld id="{15A2DB48-532F-2547-92C4-32B9480C8FF8}" type="datetimeFigureOut">
               <a:rPr kumimoji="1" lang="zh-CN" altLang="en-US" smtClean="0"/>
-              <a:t>2017/4/27</a:t>
+              <a:t>2017/5/2</a:t>
             </a:fld>
             <a:endParaRPr kumimoji="1" lang="zh-CN" altLang="en-US"/>
           </a:p>
@@ -3738,6 +3739,121 @@
 </p:sld>
 </file>
 
+<file path=ppt/slides/slide13.xml><?xml version="1.0" encoding="utf-8"?>
+<p:sld xmlns:a="http://schemas.openxmlformats.org/drawingml/2006/main" xmlns:r="http://schemas.openxmlformats.org/officeDocument/2006/relationships" xmlns:p="http://schemas.openxmlformats.org/presentationml/2006/main">
+  <p:cSld>
+    <p:spTree>
+      <p:nvGrpSpPr>
+        <p:cNvPr id="1" name=""/>
+        <p:cNvGrpSpPr/>
+        <p:nvPr/>
+      </p:nvGrpSpPr>
+      <p:grpSpPr>
+        <a:xfrm>
+          <a:off x="0" y="0"/>
+          <a:ext cx="0" cy="0"/>
+          <a:chOff x="0" y="0"/>
+          <a:chExt cx="0" cy="0"/>
+        </a:xfrm>
+      </p:grpSpPr>
+      <p:sp>
+        <p:nvSpPr>
+          <p:cNvPr id="4" name="矩形 3"/>
+          <p:cNvSpPr/>
+          <p:nvPr/>
+        </p:nvSpPr>
+        <p:spPr>
+          <a:xfrm>
+            <a:off x="477078" y="608448"/>
+            <a:ext cx="6096000" cy="923330"/>
+          </a:xfrm>
+          <a:prstGeom prst="rect">
+            <a:avLst/>
+          </a:prstGeom>
+        </p:spPr>
+        <p:txBody>
+          <a:bodyPr>
+            <a:spAutoFit/>
+          </a:bodyPr>
+          <a:lstStyle/>
+          <a:p>
+            <a:r>
+              <a:rPr lang="zh-CN" altLang="en-US" dirty="0"/>
+              <a:t>【链接】做好这几个交互细节，给你的用户体验加分http://www.aaa-cg.com.cn/xue/uisheji/517.html?qqqunlcc201752</a:t>
+            </a:r>
+          </a:p>
+        </p:txBody>
+      </p:sp>
+      <p:sp>
+        <p:nvSpPr>
+          <p:cNvPr id="5" name="文本框 4"/>
+          <p:cNvSpPr txBox="1"/>
+          <p:nvPr/>
+        </p:nvSpPr>
+        <p:spPr>
+          <a:xfrm>
+            <a:off x="583096" y="2305878"/>
+            <a:ext cx="6824304" cy="646331"/>
+          </a:xfrm>
+          <a:prstGeom prst="rect">
+            <a:avLst/>
+          </a:prstGeom>
+          <a:noFill/>
+        </p:spPr>
+        <p:txBody>
+          <a:bodyPr wrap="none" rtlCol="0">
+            <a:spAutoFit/>
+          </a:bodyPr>
+          <a:lstStyle/>
+          <a:p>
+            <a:r>
+              <a:rPr kumimoji="1" lang="zh-CN" altLang="en-US" dirty="0" smtClean="0"/>
+              <a:t>迎合了所有的用户</a:t>
+            </a:r>
+            <a:r>
+              <a:rPr kumimoji="1" lang="en-US" altLang="zh-CN" dirty="0" smtClean="0"/>
+              <a:t>,</a:t>
+            </a:r>
+            <a:r>
+              <a:rPr kumimoji="1" lang="zh-CN" altLang="en-US" dirty="0" smtClean="0"/>
+              <a:t>那么就没有了特点</a:t>
+            </a:r>
+            <a:endParaRPr kumimoji="1" lang="en-US" altLang="zh-CN" dirty="0" smtClean="0"/>
+          </a:p>
+          <a:p>
+            <a:r>
+              <a:rPr kumimoji="1" lang="zh-CN" altLang="en-US" dirty="0" smtClean="0"/>
+              <a:t>产品要有自己的定位</a:t>
+            </a:r>
+            <a:r>
+              <a:rPr kumimoji="1" lang="en-US" altLang="zh-CN" dirty="0" smtClean="0"/>
+              <a:t>.</a:t>
+            </a:r>
+            <a:r>
+              <a:rPr kumimoji="1" lang="zh-CN" altLang="en-US" dirty="0" smtClean="0"/>
+              <a:t> 再厉害的厨师也做不出 满足</a:t>
+            </a:r>
+            <a:r>
+              <a:rPr kumimoji="1" lang="zh-CN" altLang="en-US" smtClean="0"/>
+              <a:t>所有人口味的菜</a:t>
+            </a:r>
+            <a:endParaRPr kumimoji="1" lang="zh-CN" altLang="en-US"/>
+          </a:p>
+        </p:txBody>
+      </p:sp>
+    </p:spTree>
+    <p:extLst>
+      <p:ext uri="{BB962C8B-B14F-4D97-AF65-F5344CB8AC3E}">
+        <p14:creationId xmlns:p14="http://schemas.microsoft.com/office/powerpoint/2010/main" val="80370313"/>
+      </p:ext>
+    </p:extLst>
+  </p:cSld>
+  <p:clrMapOvr>
+    <a:masterClrMapping/>
+  </p:clrMapOvr>
+</p:sld>
+</file>
+
 <file path=ppt/slides/slide2.xml><?xml version="1.0" encoding="utf-8"?>
 <p:sld xmlns:a="http://schemas.openxmlformats.org/drawingml/2006/main" xmlns:r="http://schemas.openxmlformats.org/officeDocument/2006/relationships" xmlns:p="http://schemas.openxmlformats.org/presentationml/2006/main">
   <p:cSld>
@@ -4260,7 +4376,6 @@
               <a:rPr kumimoji="1" lang="zh-CN" altLang="en-US" dirty="0"/>
               <a:t>有比较亮眼</a:t>
             </a:r>
-            <a:endParaRPr kumimoji="1" lang="zh-CN" altLang="en-US" dirty="0"/>
           </a:p>
         </p:txBody>
       </p:sp>

--- a/分享备案.pptx
+++ b/分享备案.pptx
@@ -209,7 +209,7 @@
           <a:p>
             <a:fld id="{095F9844-CED5-C442-96A8-8E8FD8D7D8CE}" type="datetimeFigureOut">
               <a:rPr kumimoji="1" lang="zh-CN" altLang="en-US" smtClean="0"/>
-              <a:t>2017/5/2</a:t>
+              <a:t>17/5/2</a:t>
             </a:fld>
             <a:endParaRPr kumimoji="1" lang="zh-CN" altLang="en-US"/>
           </a:p>
@@ -608,7 +608,7 @@
           <a:p>
             <a:fld id="{15A2DB48-532F-2547-92C4-32B9480C8FF8}" type="datetimeFigureOut">
               <a:rPr kumimoji="1" lang="zh-CN" altLang="en-US" smtClean="0"/>
-              <a:t>2017/5/2</a:t>
+              <a:t>17/5/2</a:t>
             </a:fld>
             <a:endParaRPr kumimoji="1" lang="zh-CN" altLang="en-US"/>
           </a:p>
@@ -778,7 +778,7 @@
           <a:p>
             <a:fld id="{15A2DB48-532F-2547-92C4-32B9480C8FF8}" type="datetimeFigureOut">
               <a:rPr kumimoji="1" lang="zh-CN" altLang="en-US" smtClean="0"/>
-              <a:t>2017/5/2</a:t>
+              <a:t>17/5/2</a:t>
             </a:fld>
             <a:endParaRPr kumimoji="1" lang="zh-CN" altLang="en-US"/>
           </a:p>
@@ -958,7 +958,7 @@
           <a:p>
             <a:fld id="{15A2DB48-532F-2547-92C4-32B9480C8FF8}" type="datetimeFigureOut">
               <a:rPr kumimoji="1" lang="zh-CN" altLang="en-US" smtClean="0"/>
-              <a:t>2017/5/2</a:t>
+              <a:t>17/5/2</a:t>
             </a:fld>
             <a:endParaRPr kumimoji="1" lang="zh-CN" altLang="en-US"/>
           </a:p>
@@ -1128,7 +1128,7 @@
           <a:p>
             <a:fld id="{15A2DB48-532F-2547-92C4-32B9480C8FF8}" type="datetimeFigureOut">
               <a:rPr kumimoji="1" lang="zh-CN" altLang="en-US" smtClean="0"/>
-              <a:t>2017/5/2</a:t>
+              <a:t>17/5/2</a:t>
             </a:fld>
             <a:endParaRPr kumimoji="1" lang="zh-CN" altLang="en-US"/>
           </a:p>
@@ -1374,7 +1374,7 @@
           <a:p>
             <a:fld id="{15A2DB48-532F-2547-92C4-32B9480C8FF8}" type="datetimeFigureOut">
               <a:rPr kumimoji="1" lang="zh-CN" altLang="en-US" smtClean="0"/>
-              <a:t>2017/5/2</a:t>
+              <a:t>17/5/2</a:t>
             </a:fld>
             <a:endParaRPr kumimoji="1" lang="zh-CN" altLang="en-US"/>
           </a:p>
@@ -1606,7 +1606,7 @@
           <a:p>
             <a:fld id="{15A2DB48-532F-2547-92C4-32B9480C8FF8}" type="datetimeFigureOut">
               <a:rPr kumimoji="1" lang="zh-CN" altLang="en-US" smtClean="0"/>
-              <a:t>2017/5/2</a:t>
+              <a:t>17/5/2</a:t>
             </a:fld>
             <a:endParaRPr kumimoji="1" lang="zh-CN" altLang="en-US"/>
           </a:p>
@@ -1973,7 +1973,7 @@
           <a:p>
             <a:fld id="{15A2DB48-532F-2547-92C4-32B9480C8FF8}" type="datetimeFigureOut">
               <a:rPr kumimoji="1" lang="zh-CN" altLang="en-US" smtClean="0"/>
-              <a:t>2017/5/2</a:t>
+              <a:t>17/5/2</a:t>
             </a:fld>
             <a:endParaRPr kumimoji="1" lang="zh-CN" altLang="en-US"/>
           </a:p>
@@ -2091,7 +2091,7 @@
           <a:p>
             <a:fld id="{15A2DB48-532F-2547-92C4-32B9480C8FF8}" type="datetimeFigureOut">
               <a:rPr kumimoji="1" lang="zh-CN" altLang="en-US" smtClean="0"/>
-              <a:t>2017/5/2</a:t>
+              <a:t>17/5/2</a:t>
             </a:fld>
             <a:endParaRPr kumimoji="1" lang="zh-CN" altLang="en-US"/>
           </a:p>
@@ -2186,7 +2186,7 @@
           <a:p>
             <a:fld id="{15A2DB48-532F-2547-92C4-32B9480C8FF8}" type="datetimeFigureOut">
               <a:rPr kumimoji="1" lang="zh-CN" altLang="en-US" smtClean="0"/>
-              <a:t>2017/5/2</a:t>
+              <a:t>17/5/2</a:t>
             </a:fld>
             <a:endParaRPr kumimoji="1" lang="zh-CN" altLang="en-US"/>
           </a:p>
@@ -2463,7 +2463,7 @@
           <a:p>
             <a:fld id="{15A2DB48-532F-2547-92C4-32B9480C8FF8}" type="datetimeFigureOut">
               <a:rPr kumimoji="1" lang="zh-CN" altLang="en-US" smtClean="0"/>
-              <a:t>2017/5/2</a:t>
+              <a:t>17/5/2</a:t>
             </a:fld>
             <a:endParaRPr kumimoji="1" lang="zh-CN" altLang="en-US"/>
           </a:p>
@@ -2716,7 +2716,7 @@
           <a:p>
             <a:fld id="{15A2DB48-532F-2547-92C4-32B9480C8FF8}" type="datetimeFigureOut">
               <a:rPr kumimoji="1" lang="zh-CN" altLang="en-US" smtClean="0"/>
-              <a:t>2017/5/2</a:t>
+              <a:t>17/5/2</a:t>
             </a:fld>
             <a:endParaRPr kumimoji="1" lang="zh-CN" altLang="en-US"/>
           </a:p>
@@ -2929,7 +2929,7 @@
           <a:p>
             <a:fld id="{15A2DB48-532F-2547-92C4-32B9480C8FF8}" type="datetimeFigureOut">
               <a:rPr kumimoji="1" lang="zh-CN" altLang="en-US" smtClean="0"/>
-              <a:t>2017/5/2</a:t>
+              <a:t>17/5/2</a:t>
             </a:fld>
             <a:endParaRPr kumimoji="1" lang="zh-CN" altLang="en-US"/>
           </a:p>
@@ -3344,7 +3344,12 @@
             <p:ph type="ctrTitle"/>
           </p:nvPr>
         </p:nvSpPr>
-        <p:spPr/>
+        <p:spPr>
+          <a:xfrm>
+            <a:off x="1524000" y="1148867"/>
+            <a:ext cx="9144000" cy="2387600"/>
+          </a:xfrm>
+        </p:spPr>
         <p:txBody>
           <a:bodyPr/>
           <a:lstStyle/>
@@ -3368,6 +3373,52 @@
             <a:br>
               <a:rPr kumimoji="1" lang="en-US" altLang="zh-CN" dirty="0" smtClean="0"/>
             </a:br>
+            <a:endParaRPr kumimoji="1" lang="zh-CN" altLang="en-US" dirty="0"/>
+          </a:p>
+        </p:txBody>
+      </p:sp>
+      <p:sp>
+        <p:nvSpPr>
+          <p:cNvPr id="3" name="文本框 2"/>
+          <p:cNvSpPr txBox="1"/>
+          <p:nvPr/>
+        </p:nvSpPr>
+        <p:spPr>
+          <a:xfrm>
+            <a:off x="1457739" y="4545496"/>
+            <a:ext cx="6420347" cy="369332"/>
+          </a:xfrm>
+          <a:prstGeom prst="rect">
+            <a:avLst/>
+          </a:prstGeom>
+          <a:noFill/>
+        </p:spPr>
+        <p:txBody>
+          <a:bodyPr wrap="none" rtlCol="0">
+            <a:spAutoFit/>
+          </a:bodyPr>
+          <a:lstStyle/>
+          <a:p>
+            <a:r>
+              <a:rPr kumimoji="1" lang="en-US" altLang="zh-CN" dirty="0" smtClean="0"/>
+              <a:t>App</a:t>
+            </a:r>
+            <a:r>
+              <a:rPr kumimoji="1" lang="zh-CN" altLang="en-US" dirty="0" smtClean="0"/>
+              <a:t>只是一个工具</a:t>
+            </a:r>
+            <a:r>
+              <a:rPr kumimoji="1" lang="en-US" altLang="zh-CN" dirty="0" smtClean="0"/>
+              <a:t>,</a:t>
+            </a:r>
+            <a:r>
+              <a:rPr kumimoji="1" lang="zh-CN" altLang="en-US" dirty="0" smtClean="0"/>
+              <a:t>一个用于我们去服务我们的用户的一个工具</a:t>
+            </a:r>
+            <a:r>
+              <a:rPr kumimoji="1" lang="en-US" altLang="zh-CN" dirty="0" smtClean="0"/>
+              <a:t>.</a:t>
+            </a:r>
             <a:endParaRPr kumimoji="1" lang="zh-CN" altLang="en-US" dirty="0"/>
           </a:p>
         </p:txBody>
